--- a/fp3.pptx
+++ b/fp3.pptx
@@ -2588,9 +2588,9 @@
     </dgm:pt>
   </dgm:ptLst>
   <dgm:cxnLst>
-    <dgm:cxn modelId="{017518C9-1619-4B19-AA03-86BA999BA287}" srcId="{EAB81984-5B84-4970-8447-2B456B8C58DF}" destId="{B75F6A3A-9A51-4DF3-8A57-9AEB0739425C}" srcOrd="0" destOrd="0" parTransId="{203596AF-4F49-40BA-B1E1-11BDD34B512E}" sibTransId="{A056157B-3867-49A4-9195-F3A4F3FBBA8E}"/>
     <dgm:cxn modelId="{1CEAA455-5BF4-4666-95B8-390900AB8124}" type="presOf" srcId="{EAB81984-5B84-4970-8447-2B456B8C58DF}" destId="{3A252E36-3D7E-49E5-B812-EE4CACF0D5CF}" srcOrd="0" destOrd="0" presId="urn:microsoft.com/office/officeart/2008/layout/PictureGrid"/>
     <dgm:cxn modelId="{147A14B3-96E8-4139-969B-9DB1BCB4D95E}" type="presOf" srcId="{B75F6A3A-9A51-4DF3-8A57-9AEB0739425C}" destId="{B29ABF60-EC0F-45AD-A90E-9C76D15C2F14}" srcOrd="0" destOrd="0" presId="urn:microsoft.com/office/officeart/2008/layout/PictureGrid"/>
+    <dgm:cxn modelId="{017518C9-1619-4B19-AA03-86BA999BA287}" srcId="{EAB81984-5B84-4970-8447-2B456B8C58DF}" destId="{B75F6A3A-9A51-4DF3-8A57-9AEB0739425C}" srcOrd="0" destOrd="0" parTransId="{203596AF-4F49-40BA-B1E1-11BDD34B512E}" sibTransId="{A056157B-3867-49A4-9195-F3A4F3FBBA8E}"/>
     <dgm:cxn modelId="{D3458AFA-605E-43EE-8C8A-0E0C1E3CD931}" type="presParOf" srcId="{3A252E36-3D7E-49E5-B812-EE4CACF0D5CF}" destId="{CF6D50B3-578A-4EA0-A5A0-492FA729F6ED}" srcOrd="0" destOrd="0" presId="urn:microsoft.com/office/officeart/2008/layout/PictureGrid"/>
     <dgm:cxn modelId="{9835F3F3-3E30-4AC4-AD89-BC095FA9A878}" type="presParOf" srcId="{CF6D50B3-578A-4EA0-A5A0-492FA729F6ED}" destId="{B29ABF60-EC0F-45AD-A90E-9C76D15C2F14}" srcOrd="0" destOrd="0" presId="urn:microsoft.com/office/officeart/2008/layout/PictureGrid"/>
     <dgm:cxn modelId="{70FA379F-7827-49B9-806E-1FD72CAE8F89}" type="presParOf" srcId="{CF6D50B3-578A-4EA0-A5A0-492FA729F6ED}" destId="{61EB78D8-69FF-471D-8FEB-71388C442F55}" srcOrd="1" destOrd="0" presId="urn:microsoft.com/office/officeart/2008/layout/PictureGrid"/>
@@ -2695,9 +2695,9 @@
     </dgm:pt>
   </dgm:ptLst>
   <dgm:cxnLst>
-    <dgm:cxn modelId="{017518C9-1619-4B19-AA03-86BA999BA287}" srcId="{EAB81984-5B84-4970-8447-2B456B8C58DF}" destId="{B75F6A3A-9A51-4DF3-8A57-9AEB0739425C}" srcOrd="0" destOrd="0" parTransId="{203596AF-4F49-40BA-B1E1-11BDD34B512E}" sibTransId="{A056157B-3867-49A4-9195-F3A4F3FBBA8E}"/>
     <dgm:cxn modelId="{1CEAA455-5BF4-4666-95B8-390900AB8124}" type="presOf" srcId="{EAB81984-5B84-4970-8447-2B456B8C58DF}" destId="{3A252E36-3D7E-49E5-B812-EE4CACF0D5CF}" srcOrd="0" destOrd="0" presId="urn:microsoft.com/office/officeart/2008/layout/PictureGrid"/>
     <dgm:cxn modelId="{147A14B3-96E8-4139-969B-9DB1BCB4D95E}" type="presOf" srcId="{B75F6A3A-9A51-4DF3-8A57-9AEB0739425C}" destId="{B29ABF60-EC0F-45AD-A90E-9C76D15C2F14}" srcOrd="0" destOrd="0" presId="urn:microsoft.com/office/officeart/2008/layout/PictureGrid"/>
+    <dgm:cxn modelId="{017518C9-1619-4B19-AA03-86BA999BA287}" srcId="{EAB81984-5B84-4970-8447-2B456B8C58DF}" destId="{B75F6A3A-9A51-4DF3-8A57-9AEB0739425C}" srcOrd="0" destOrd="0" parTransId="{203596AF-4F49-40BA-B1E1-11BDD34B512E}" sibTransId="{A056157B-3867-49A4-9195-F3A4F3FBBA8E}"/>
     <dgm:cxn modelId="{D3458AFA-605E-43EE-8C8A-0E0C1E3CD931}" type="presParOf" srcId="{3A252E36-3D7E-49E5-B812-EE4CACF0D5CF}" destId="{CF6D50B3-578A-4EA0-A5A0-492FA729F6ED}" srcOrd="0" destOrd="0" presId="urn:microsoft.com/office/officeart/2008/layout/PictureGrid"/>
     <dgm:cxn modelId="{9835F3F3-3E30-4AC4-AD89-BC095FA9A878}" type="presParOf" srcId="{CF6D50B3-578A-4EA0-A5A0-492FA729F6ED}" destId="{B29ABF60-EC0F-45AD-A90E-9C76D15C2F14}" srcOrd="0" destOrd="0" presId="urn:microsoft.com/office/officeart/2008/layout/PictureGrid"/>
     <dgm:cxn modelId="{70FA379F-7827-49B9-806E-1FD72CAE8F89}" type="presParOf" srcId="{CF6D50B3-578A-4EA0-A5A0-492FA729F6ED}" destId="{61EB78D8-69FF-471D-8FEB-71388C442F55}" srcOrd="1" destOrd="0" presId="urn:microsoft.com/office/officeart/2008/layout/PictureGrid"/>
@@ -2823,8 +2823,8 @@
     </dgm:pt>
   </dgm:ptLst>
   <dgm:cxnLst>
+    <dgm:cxn modelId="{A9E27516-E8E4-42A7-A155-024D48E79559}" type="presOf" srcId="{8F66C165-B39F-46D3-B19F-623799541DD3}" destId="{B6F028CB-F170-4FEF-BC3A-25F0E90D434A}" srcOrd="0" destOrd="0" presId="urn:microsoft.com/office/officeart/2008/layout/PictureGrid"/>
     <dgm:cxn modelId="{A177C822-7566-4410-A889-706A6CE15148}" srcId="{8F66C165-B39F-46D3-B19F-623799541DD3}" destId="{9C9C0585-42CE-4F34-A2BB-F1377DA03788}" srcOrd="0" destOrd="0" parTransId="{4E5DCF2B-AAE7-41E2-837F-518128C03597}" sibTransId="{56F70C7F-1925-4DBA-9BD6-AF5E91799A59}"/>
-    <dgm:cxn modelId="{A9E27516-E8E4-42A7-A155-024D48E79559}" type="presOf" srcId="{8F66C165-B39F-46D3-B19F-623799541DD3}" destId="{B6F028CB-F170-4FEF-BC3A-25F0E90D434A}" srcOrd="0" destOrd="0" presId="urn:microsoft.com/office/officeart/2008/layout/PictureGrid"/>
     <dgm:cxn modelId="{ACD53F50-5BA1-48C9-B5DF-09BF6DA4DE65}" type="presOf" srcId="{9C9C0585-42CE-4F34-A2BB-F1377DA03788}" destId="{A30F2283-C0A4-4A69-BCBE-833D967155A2}" srcOrd="0" destOrd="0" presId="urn:microsoft.com/office/officeart/2008/layout/PictureGrid"/>
     <dgm:cxn modelId="{CC189C1C-06A1-4F03-B886-67BF46A53703}" type="presParOf" srcId="{B6F028CB-F170-4FEF-BC3A-25F0E90D434A}" destId="{65D73C51-61AB-436D-8191-975603FC9C68}" srcOrd="0" destOrd="0" presId="urn:microsoft.com/office/officeart/2008/layout/PictureGrid"/>
     <dgm:cxn modelId="{CD7DB92E-B84F-43A0-AC2D-FBBFB40722EE}" type="presParOf" srcId="{65D73C51-61AB-436D-8191-975603FC9C68}" destId="{A30F2283-C0A4-4A69-BCBE-833D967155A2}" srcOrd="0" destOrd="0" presId="urn:microsoft.com/office/officeart/2008/layout/PictureGrid"/>
@@ -7204,7 +7204,7 @@
           <a:p>
             <a:fld id="{0E711FAB-AA64-4E6E-B985-A733977625EE}" type="datetimeFigureOut">
               <a:rPr lang="ru-RU" smtClean="0"/>
-              <a:t>24.10.2016</a:t>
+              <a:t>02.11.2019</a:t>
             </a:fld>
             <a:endParaRPr lang="ru-RU"/>
           </a:p>
@@ -8365,7 +8365,7 @@
   <p:clrMapOvr>
     <a:masterClrMapping/>
   </p:clrMapOvr>
-  <p:extLst mod="1">
+  <p:extLst>
     <p:ext uri="{DCECCB84-F9BA-43D5-87BE-67443E8EF086}">
       <p15:sldGuideLst xmlns:p15="http://schemas.microsoft.com/office/powerpoint/2012/main">
         <p15:guide id="2" orient="horz" pos="1207">
@@ -8740,7 +8740,7 @@
   <p:clrMapOvr>
     <a:masterClrMapping/>
   </p:clrMapOvr>
-  <p:extLst mod="1">
+  <p:extLst>
     <p:ext uri="{DCECCB84-F9BA-43D5-87BE-67443E8EF086}">
       <p15:sldGuideLst xmlns:p15="http://schemas.microsoft.com/office/powerpoint/2012/main">
         <p15:guide id="1" orient="horz" pos="935">
@@ -8901,7 +8901,7 @@
   <p:clrMapOvr>
     <a:masterClrMapping/>
   </p:clrMapOvr>
-  <p:extLst mod="1">
+  <p:extLst>
     <p:ext uri="{DCECCB84-F9BA-43D5-87BE-67443E8EF086}">
       <p15:sldGuideLst xmlns:p15="http://schemas.microsoft.com/office/powerpoint/2012/main">
         <p15:guide id="1" orient="horz" pos="4065">
@@ -9067,7 +9067,7 @@
   <p:clrMapOvr>
     <a:masterClrMapping/>
   </p:clrMapOvr>
-  <p:extLst mod="1">
+  <p:extLst>
     <p:ext uri="{DCECCB84-F9BA-43D5-87BE-67443E8EF086}">
       <p15:sldGuideLst xmlns:p15="http://schemas.microsoft.com/office/powerpoint/2012/main">
         <p15:guide id="1" orient="horz" pos="3385">
@@ -10105,7 +10105,7 @@
   <p:clrMapOvr>
     <a:masterClrMapping/>
   </p:clrMapOvr>
-  <p:extLst mod="1">
+  <p:extLst>
     <p:ext uri="{DCECCB84-F9BA-43D5-87BE-67443E8EF086}">
       <p15:sldGuideLst xmlns:p15="http://schemas.microsoft.com/office/powerpoint/2012/main">
         <p15:guide id="2" orient="horz" pos="1207">
@@ -10773,7 +10773,7 @@
   <p:clrMapOvr>
     <a:masterClrMapping/>
   </p:clrMapOvr>
-  <p:extLst mod="1">
+  <p:extLst>
     <p:ext uri="{DCECCB84-F9BA-43D5-87BE-67443E8EF086}">
       <p15:sldGuideLst xmlns:p15="http://schemas.microsoft.com/office/powerpoint/2012/main">
         <p15:guide id="1" orient="horz" pos="1525">
@@ -11038,7 +11038,7 @@
   <p:clrMapOvr>
     <a:masterClrMapping/>
   </p:clrMapOvr>
-  <p:extLst mod="1">
+  <p:extLst>
     <p:ext uri="{DCECCB84-F9BA-43D5-87BE-67443E8EF086}">
       <p15:sldGuideLst xmlns:p15="http://schemas.microsoft.com/office/powerpoint/2012/main"/>
     </p:ext>
@@ -11176,7 +11176,7 @@
   <p:clrMapOvr>
     <a:masterClrMapping/>
   </p:clrMapOvr>
-  <p:extLst mod="1">
+  <p:extLst>
     <p:ext uri="{DCECCB84-F9BA-43D5-87BE-67443E8EF086}">
       <p15:sldGuideLst xmlns:p15="http://schemas.microsoft.com/office/powerpoint/2012/main"/>
     </p:ext>
@@ -11568,7 +11568,7 @@
       </a:lvl9pPr>
     </p:otherStyle>
   </p:txStyles>
-  <p:extLst mod="1">
+  <p:extLst>
     <p:ext uri="{27BBF7A9-308A-43DC-89C8-2F10F3537804}">
       <p15:sldGuideLst xmlns:p15="http://schemas.microsoft.com/office/powerpoint/2012/main">
         <p15:guide id="1" orient="horz" pos="346">
@@ -11997,7 +11997,7 @@
       </a:lvl9pPr>
     </p:otherStyle>
   </p:txStyles>
-  <p:extLst mod="1">
+  <p:extLst>
     <p:ext uri="{27BBF7A9-308A-43DC-89C8-2F10F3537804}">
       <p15:sldGuideLst xmlns:p15="http://schemas.microsoft.com/office/powerpoint/2012/main">
         <p15:guide id="1" orient="horz" pos="346">
@@ -12104,7 +12104,7 @@
               <a:rPr lang="en-US" dirty="0">
                 <a:hlinkClick r:id="rId2"/>
               </a:rPr>
-              <a:t>https://github.com/kontur-csharper/</a:t>
+              <a:t>https://github.com/kontur-courses/</a:t>
             </a:r>
             <a:r>
               <a:rPr lang="en-US" b="1" dirty="0">
@@ -15174,7 +15174,6 @@
               <a:rPr lang="ru-RU" dirty="0"/>
               <a:t>Понятность</a:t>
             </a:r>
-            <a:endParaRPr lang="ru-RU" dirty="0"/>
           </a:p>
         </p:txBody>
       </p:sp>
@@ -15752,7 +15751,7 @@
               <a:rPr lang="en-US" sz="2400" dirty="0">
                 <a:latin typeface="Consolas" panose="020B0609020204030204" pitchFamily="49" charset="0"/>
               </a:rPr>
-              <a:t>&lt;T&gt;{</a:t>
+              <a:t>&lt;T&gt; {</a:t>
             </a:r>
           </a:p>
           <a:p>
@@ -15822,25 +15821,19 @@
               <a:rPr lang="en-US" sz="2400" dirty="0">
                 <a:latin typeface="Consolas" panose="020B0609020204030204" pitchFamily="49" charset="0"/>
               </a:rPr>
-              <a:t>    T Value { </a:t>
+              <a:t>    T </a:t>
+            </a:r>
+            <a:r>
+              <a:rPr lang="en-US" sz="2400" dirty="0" err="1">
+                <a:latin typeface="Consolas" panose="020B0609020204030204" pitchFamily="49" charset="0"/>
+              </a:rPr>
+              <a:t>GetValueOrThrow</a:t>
             </a:r>
             <a:r>
               <a:rPr lang="en-US" sz="2400" dirty="0">
-                <a:solidFill>
-                  <a:srgbClr val="0000FF"/>
-                </a:solidFill>
-                <a:highlight>
-                  <a:srgbClr val="FFFFFF"/>
-                </a:highlight>
-                <a:latin typeface="Consolas" panose="020B0609020204030204" pitchFamily="49" charset="0"/>
-              </a:rPr>
-              <a:t>get</a:t>
-            </a:r>
-            <a:r>
-              <a:rPr lang="en-US" sz="2400" dirty="0">
-                <a:latin typeface="Consolas" panose="020B0609020204030204" pitchFamily="49" charset="0"/>
-              </a:rPr>
-              <a:t>; }</a:t>
+                <a:latin typeface="Consolas" panose="020B0609020204030204" pitchFamily="49" charset="0"/>
+              </a:rPr>
+              <a:t>();</a:t>
             </a:r>
           </a:p>
           <a:p>
@@ -15947,7 +15940,7 @@
                 </a:highlight>
                 <a:latin typeface="Consolas" panose="020B0609020204030204" pitchFamily="49" charset="0"/>
               </a:rPr>
-              <a:t>Result</a:t>
+              <a:t>Result </a:t>
             </a:r>
             <a:r>
               <a:rPr lang="en-US" sz="2400" dirty="0">
@@ -16264,13 +16257,13 @@
               <a:t>  .</a:t>
             </a:r>
             <a:r>
-              <a:rPr lang="en-US" sz="2400" dirty="0" err="1">
+              <a:rPr lang="en-US" sz="2400" dirty="0">
                 <a:solidFill>
                   <a:srgbClr val="2B91AF"/>
                 </a:solidFill>
                 <a:latin typeface="Consolas" panose="020B0609020204030204" pitchFamily="49" charset="0"/>
               </a:rPr>
-              <a:t>OnSuccess</a:t>
+              <a:t>Then</a:t>
             </a:r>
             <a:r>
               <a:rPr lang="en-US" sz="2400" dirty="0">
@@ -16295,9 +16288,6 @@
             </a:r>
           </a:p>
           <a:p>
-            <a:pPr marL="0" indent="0">
-              <a:buNone/>
-            </a:pPr>
             <a:r>
               <a:rPr lang="en-US" sz="2400" dirty="0">
                 <a:latin typeface="Consolas" panose="020B0609020204030204" pitchFamily="49" charset="0"/>
@@ -16305,13 +16295,13 @@
               <a:t>  .</a:t>
             </a:r>
             <a:r>
-              <a:rPr lang="en-US" sz="2400" dirty="0" err="1">
+              <a:rPr lang="en-US" sz="2400" dirty="0">
                 <a:solidFill>
                   <a:srgbClr val="2B91AF"/>
                 </a:solidFill>
                 <a:latin typeface="Consolas" panose="020B0609020204030204" pitchFamily="49" charset="0"/>
               </a:rPr>
-              <a:t>OnSuccess</a:t>
+              <a:t>Then</a:t>
             </a:r>
             <a:r>
               <a:rPr lang="en-US" sz="2400" dirty="0">
@@ -16336,9 +16326,6 @@
             </a:r>
           </a:p>
           <a:p>
-            <a:pPr marL="0" indent="0">
-              <a:buNone/>
-            </a:pPr>
             <a:r>
               <a:rPr lang="en-US" sz="2400" dirty="0">
                 <a:latin typeface="Consolas" panose="020B0609020204030204" pitchFamily="49" charset="0"/>
@@ -16346,13 +16333,13 @@
               <a:t>  .</a:t>
             </a:r>
             <a:r>
-              <a:rPr lang="en-US" sz="2400" dirty="0" err="1">
+              <a:rPr lang="en-US" sz="2400" dirty="0">
                 <a:solidFill>
                   <a:srgbClr val="2B91AF"/>
                 </a:solidFill>
                 <a:latin typeface="Consolas" panose="020B0609020204030204" pitchFamily="49" charset="0"/>
               </a:rPr>
-              <a:t>OnSuccess</a:t>
+              <a:t>Then</a:t>
             </a:r>
             <a:r>
               <a:rPr lang="en-US" sz="2400" dirty="0">
@@ -16492,12 +16479,8 @@
           <a:lstStyle/>
           <a:p>
             <a:r>
-              <a:rPr lang="en-US" dirty="0" err="1"/>
-              <a:t>OnSuccess</a:t>
-            </a:r>
-            <a:r>
               <a:rPr lang="en-US" dirty="0"/>
-              <a:t> &amp; </a:t>
+              <a:t>Then &amp; </a:t>
             </a:r>
             <a:r>
               <a:rPr lang="en-US" dirty="0" err="1"/>
@@ -17188,7 +17171,7 @@
                   <a:schemeClr val="accent1"/>
                 </a:solidFill>
               </a:rPr>
-              <a:t>ResultLinqExtensions</a:t>
+              <a:t>ResultQueryExpressionExtensions</a:t>
             </a:r>
             <a:endParaRPr lang="ru-RU" sz="2400" dirty="0">
               <a:solidFill>
@@ -17207,7 +17190,7 @@
                   <a:schemeClr val="accent1"/>
                 </a:solidFill>
               </a:rPr>
-              <a:t>ResultLinqExtensions_Should.cs</a:t>
+              <a:t>ResultQueryExpression_Should.cs</a:t>
             </a:r>
             <a:br>
               <a:rPr lang="en-US" sz="2400" dirty="0"/>
@@ -17256,6 +17239,108 @@
               <a:t>ErrorHandling</a:t>
             </a:r>
             <a:endParaRPr lang="ru-RU" dirty="0"/>
+          </a:p>
+        </p:txBody>
+      </p:sp>
+      <p:sp>
+        <p:nvSpPr>
+          <p:cNvPr id="4" name="Rectangle 1">
+            <a:extLst>
+              <a:ext uri="{FF2B5EF4-FFF2-40B4-BE49-F238E27FC236}">
+                <a16:creationId xmlns:a16="http://schemas.microsoft.com/office/drawing/2014/main" id="{4CC148B1-5BF8-4FC7-BD53-131BC669734C}"/>
+              </a:ext>
+            </a:extLst>
+          </p:cNvPr>
+          <p:cNvSpPr>
+            <a:spLocks noChangeArrowheads="1"/>
+          </p:cNvSpPr>
+          <p:nvPr/>
+        </p:nvSpPr>
+        <p:spPr bwMode="auto">
+          <a:xfrm>
+            <a:off x="0" y="0"/>
+            <a:ext cx="12192000" cy="457200"/>
+          </a:xfrm>
+          <a:prstGeom prst="rect">
+            <a:avLst/>
+          </a:prstGeom>
+          <a:solidFill>
+            <a:srgbClr val="FFFFFF"/>
+          </a:solidFill>
+          <a:ln>
+            <a:noFill/>
+          </a:ln>
+          <a:effectLst/>
+          <a:extLst>
+            <a:ext uri="{91240B29-F687-4F45-9708-019B960494DF}">
+              <a14:hiddenLine xmlns:a14="http://schemas.microsoft.com/office/drawing/2010/main" w="9525">
+                <a:solidFill>
+                  <a:schemeClr val="tx1"/>
+                </a:solidFill>
+                <a:miter lim="800000"/>
+                <a:headEnd/>
+                <a:tailEnd/>
+              </a14:hiddenLine>
+            </a:ext>
+            <a:ext uri="{AF507438-7753-43E0-B8FC-AC1667EBCBE1}">
+              <a14:hiddenEffects xmlns:a14="http://schemas.microsoft.com/office/drawing/2010/main">
+                <a:effectLst>
+                  <a:outerShdw dist="35921" dir="2700000" algn="ctr" rotWithShape="0">
+                    <a:schemeClr val="bg2"/>
+                  </a:outerShdw>
+                </a:effectLst>
+              </a14:hiddenEffects>
+            </a:ext>
+          </a:extLst>
+        </p:spPr>
+        <p:txBody>
+          <a:bodyPr vert="horz" wrap="none" lIns="91440" tIns="45720" rIns="91440" bIns="45720" numCol="1" anchor="ctr" anchorCtr="0" compatLnSpc="1">
+            <a:prstTxWarp prst="textNoShape">
+              <a:avLst/>
+            </a:prstTxWarp>
+            <a:spAutoFit/>
+          </a:bodyPr>
+          <a:lstStyle/>
+          <a:p>
+            <a:pPr marL="0" marR="0" lvl="0" indent="0" algn="l" defTabSz="914400" rtl="0" eaLnBrk="0" fontAlgn="base" latinLnBrk="0" hangingPunct="0">
+              <a:lnSpc>
+                <a:spcPct val="100000"/>
+              </a:lnSpc>
+              <a:spcBef>
+                <a:spcPct val="0"/>
+              </a:spcBef>
+              <a:spcAft>
+                <a:spcPct val="0"/>
+              </a:spcAft>
+              <a:buClrTx/>
+              <a:buSzTx/>
+              <a:buFontTx/>
+              <a:buNone/>
+              <a:tabLst/>
+            </a:pPr>
+            <a:r>
+              <a:rPr kumimoji="0" lang="en-US" altLang="en-US" sz="900" b="0" i="0" u="none" strike="noStrike" cap="none" normalizeH="0" baseline="0">
+                <a:ln>
+                  <a:noFill/>
+                </a:ln>
+                <a:solidFill>
+                  <a:srgbClr val="202020"/>
+                </a:solidFill>
+                <a:effectLst/>
+                <a:latin typeface="Fira Code"/>
+              </a:rPr>
+              <a:t>Expression</a:t>
+            </a:r>
+            <a:endParaRPr kumimoji="0" lang="en-US" altLang="en-US" sz="1800" b="0" i="0" u="none" strike="noStrike" cap="none" normalizeH="0" baseline="0">
+              <a:ln>
+                <a:noFill/>
+              </a:ln>
+              <a:solidFill>
+                <a:schemeClr val="tx1"/>
+              </a:solidFill>
+              <a:effectLst/>
+              <a:latin typeface="Arial" panose="020B0604020202020204" pitchFamily="34" charset="0"/>
+            </a:endParaRPr>
           </a:p>
         </p:txBody>
       </p:sp>
@@ -17449,6 +17534,24 @@
           <a:lstStyle/>
           <a:p>
             <a:pPr marL="514350" indent="-514350">
+              <a:buFont typeface="Arial" panose="020B0604020202020204" pitchFamily="34" charset="0"/>
+              <a:buAutoNum type="arabicPeriod"/>
+            </a:pPr>
+            <a:r>
+              <a:rPr lang="en-US" sz="2800" dirty="0"/>
+              <a:t>Document </a:t>
+            </a:r>
+            <a:r>
+              <a:rPr lang="ru-RU" sz="2800" dirty="0"/>
+              <a:t>→</a:t>
+            </a:r>
+            <a:r>
+              <a:rPr lang="en-US" sz="2800" dirty="0"/>
+              <a:t> Immutable</a:t>
+            </a:r>
+          </a:p>
+          <a:p>
+            <a:pPr marL="514350" indent="-514350">
               <a:buAutoNum type="arabicPeriod"/>
             </a:pPr>
             <a:r>
@@ -17519,12 +17622,6 @@
               <a:rPr lang="ru-RU" sz="2800" dirty="0"/>
               <a:t> → декларативно</a:t>
             </a:r>
-            <a:endParaRPr lang="en-US" dirty="0"/>
-          </a:p>
-          <a:p>
-            <a:pPr marL="514350" indent="-514350">
-              <a:buAutoNum type="arabicPeriod"/>
-            </a:pPr>
             <a:endParaRPr lang="en-US" dirty="0"/>
           </a:p>
           <a:p>
@@ -17862,13 +17959,69 @@
               <a:t>        .</a:t>
             </a:r>
             <a:r>
+              <a:rPr lang="en-US" sz="2000" dirty="0">
+                <a:solidFill>
+                  <a:schemeClr val="accent1"/>
+                </a:solidFill>
+                <a:latin typeface="Consolas" panose="020B0609020204030204" pitchFamily="49" charset="0"/>
+              </a:rPr>
+              <a:t>Then</a:t>
+            </a:r>
+            <a:r>
+              <a:rPr lang="en-US" sz="2000" dirty="0">
+                <a:latin typeface="Consolas" panose="020B0609020204030204" pitchFamily="49" charset="0"/>
+              </a:rPr>
+              <a:t>(</a:t>
+            </a:r>
+            <a:r>
+              <a:rPr lang="en-US" sz="2000" dirty="0">
+                <a:solidFill>
+                  <a:schemeClr val="accent2"/>
+                </a:solidFill>
+                <a:latin typeface="Consolas" panose="020B0609020204030204" pitchFamily="49" charset="0"/>
+              </a:rPr>
+              <a:t>doc =&gt; </a:t>
+            </a:r>
+            <a:r>
               <a:rPr lang="en-US" sz="2000" dirty="0" err="1">
                 <a:solidFill>
+                  <a:schemeClr val="accent2"/>
+                </a:solidFill>
+                <a:latin typeface="Consolas" panose="020B0609020204030204" pitchFamily="49" charset="0"/>
+              </a:rPr>
+              <a:t>ValidateFormatIsSupported</a:t>
+            </a:r>
+            <a:r>
+              <a:rPr lang="en-US" sz="2000" dirty="0">
+                <a:solidFill>
+                  <a:schemeClr val="accent2"/>
+                </a:solidFill>
+                <a:latin typeface="Consolas" panose="020B0609020204030204" pitchFamily="49" charset="0"/>
+              </a:rPr>
+              <a:t>(doc)</a:t>
+            </a:r>
+            <a:r>
+              <a:rPr lang="en-US" sz="2000" dirty="0">
+                <a:latin typeface="Consolas" panose="020B0609020204030204" pitchFamily="49" charset="0"/>
+              </a:rPr>
+              <a:t>)</a:t>
+            </a:r>
+          </a:p>
+          <a:p>
+            <a:r>
+              <a:rPr lang="en-US" sz="2000" dirty="0">
+                <a:latin typeface="Consolas" panose="020B0609020204030204" pitchFamily="49" charset="0"/>
+              </a:rPr>
+              <a:t>        .</a:t>
+            </a:r>
+            <a:r>
+              <a:rPr lang="en-US" sz="2000" dirty="0">
+                <a:solidFill>
                   <a:schemeClr val="accent1"/>
                 </a:solidFill>
                 <a:latin typeface="Consolas" panose="020B0609020204030204" pitchFamily="49" charset="0"/>
               </a:rPr>
-              <a:t>OnSuccess</a:t>
+              <a:t>Then</a:t>
             </a:r>
             <a:r>
               <a:rPr lang="en-US" sz="2000" dirty="0">
@@ -17892,7 +18045,7 @@
                 </a:solidFill>
                 <a:latin typeface="Consolas" panose="020B0609020204030204" pitchFamily="49" charset="0"/>
               </a:rPr>
-              <a:t>ValidateFormatIsSupported</a:t>
+              <a:t>ValidateIsNotTooOld</a:t>
             </a:r>
             <a:r>
               <a:rPr lang="en-US" sz="2000" dirty="0">
@@ -17918,69 +18071,13 @@
               <a:t>        .</a:t>
             </a:r>
             <a:r>
-              <a:rPr lang="en-US" sz="2000" dirty="0" err="1">
+              <a:rPr lang="en-US" sz="2000" dirty="0">
                 <a:solidFill>
                   <a:schemeClr val="accent1"/>
                 </a:solidFill>
                 <a:latin typeface="Consolas" panose="020B0609020204030204" pitchFamily="49" charset="0"/>
               </a:rPr>
-              <a:t>OnSuccess</a:t>
-            </a:r>
-            <a:r>
-              <a:rPr lang="en-US" sz="2000" dirty="0">
-                <a:latin typeface="Consolas" panose="020B0609020204030204" pitchFamily="49" charset="0"/>
-              </a:rPr>
-              <a:t>(</a:t>
-            </a:r>
-            <a:r>
-              <a:rPr lang="en-US" sz="2000" dirty="0">
-                <a:solidFill>
-                  <a:schemeClr val="accent2"/>
-                </a:solidFill>
-                <a:latin typeface="Consolas" panose="020B0609020204030204" pitchFamily="49" charset="0"/>
-              </a:rPr>
-              <a:t>doc =&gt; </a:t>
-            </a:r>
-            <a:r>
-              <a:rPr lang="en-US" sz="2000" dirty="0" err="1">
-                <a:solidFill>
-                  <a:schemeClr val="accent2"/>
-                </a:solidFill>
-                <a:latin typeface="Consolas" panose="020B0609020204030204" pitchFamily="49" charset="0"/>
-              </a:rPr>
-              <a:t>ValidateIsNotTooOld</a:t>
-            </a:r>
-            <a:r>
-              <a:rPr lang="en-US" sz="2000" dirty="0">
-                <a:solidFill>
-                  <a:schemeClr val="accent2"/>
-                </a:solidFill>
-                <a:latin typeface="Consolas" panose="020B0609020204030204" pitchFamily="49" charset="0"/>
-              </a:rPr>
-              <a:t>(doc)</a:t>
-            </a:r>
-            <a:r>
-              <a:rPr lang="en-US" sz="2000" dirty="0">
-                <a:latin typeface="Consolas" panose="020B0609020204030204" pitchFamily="49" charset="0"/>
-              </a:rPr>
-              <a:t>)</a:t>
-            </a:r>
-          </a:p>
-          <a:p>
-            <a:r>
-              <a:rPr lang="en-US" sz="2000" dirty="0">
-                <a:latin typeface="Consolas" panose="020B0609020204030204" pitchFamily="49" charset="0"/>
-              </a:rPr>
-              <a:t>        .</a:t>
-            </a:r>
-            <a:r>
-              <a:rPr lang="en-US" sz="2000" dirty="0" err="1">
-                <a:solidFill>
-                  <a:schemeClr val="accent1"/>
-                </a:solidFill>
-                <a:latin typeface="Consolas" panose="020B0609020204030204" pitchFamily="49" charset="0"/>
-              </a:rPr>
-              <a:t>OnSuccess</a:t>
+              <a:t>Then</a:t>
             </a:r>
             <a:r>
               <a:rPr lang="en-US" sz="2000" dirty="0">
@@ -18099,9 +18196,6 @@
               </a:rPr>
               <a:t>}</a:t>
             </a:r>
-            <a:endParaRPr lang="en-US" sz="2000" dirty="0">
-              <a:latin typeface="Consolas" panose="020B0609020204030204" pitchFamily="49" charset="0"/>
-            </a:endParaRPr>
           </a:p>
         </p:txBody>
       </p:sp>
@@ -18452,9 +18546,6 @@
               </a:rPr>
               <a:t>});</a:t>
             </a:r>
-            <a:endParaRPr lang="en-US" dirty="0">
-              <a:latin typeface="Consolas" panose="020B0609020204030204" pitchFamily="49" charset="0"/>
-            </a:endParaRPr>
           </a:p>
         </p:txBody>
       </p:sp>
@@ -19045,7 +19136,6 @@
               <a:rPr lang="en-US" dirty="0"/>
               <a:t>Railway</a:t>
             </a:r>
-            <a:endParaRPr lang="en-US" dirty="0"/>
           </a:p>
         </p:txBody>
       </p:sp>
@@ -19270,7 +19360,6 @@
               <a:rPr lang="en-US" dirty="0"/>
               <a:t>Railway</a:t>
             </a:r>
-            <a:endParaRPr lang="en-US" dirty="0"/>
           </a:p>
         </p:txBody>
       </p:sp>
@@ -19570,7 +19659,6 @@
               <a:rPr lang="en-US" dirty="0"/>
               <a:t>Railway</a:t>
             </a:r>
-            <a:endParaRPr lang="en-US" dirty="0"/>
           </a:p>
         </p:txBody>
       </p:sp>
@@ -19761,13 +19849,13 @@
               <a:t>    .</a:t>
             </a:r>
             <a:r>
-              <a:rPr lang="en-US" sz="2400" dirty="0" err="1">
+              <a:rPr lang="en-US" sz="2400" dirty="0">
                 <a:solidFill>
                   <a:schemeClr val="accent1"/>
                 </a:solidFill>
                 <a:latin typeface="Consolas" panose="020B0609020204030204" pitchFamily="49" charset="0"/>
               </a:rPr>
-              <a:t>OnSuccess</a:t>
+              <a:t>Then</a:t>
             </a:r>
             <a:r>
               <a:rPr lang="en-US" sz="2400" dirty="0">
@@ -19920,7 +20008,6 @@
               <a:rPr lang="en-US" dirty="0"/>
               <a:t>Railway</a:t>
             </a:r>
-            <a:endParaRPr lang="en-US" dirty="0"/>
           </a:p>
         </p:txBody>
       </p:sp>
@@ -20111,13 +20198,13 @@
               <a:t>    .</a:t>
             </a:r>
             <a:r>
-              <a:rPr lang="en-US" sz="2400" dirty="0" err="1">
+              <a:rPr lang="en-US" sz="2400" dirty="0">
                 <a:solidFill>
                   <a:schemeClr val="accent1"/>
                 </a:solidFill>
                 <a:latin typeface="Consolas" panose="020B0609020204030204" pitchFamily="49" charset="0"/>
               </a:rPr>
-              <a:t>OnSuccess</a:t>
+              <a:t>Then</a:t>
             </a:r>
             <a:r>
               <a:rPr lang="en-US" sz="2400" dirty="0">
@@ -20354,7 +20441,6 @@
               <a:rPr lang="en-US" dirty="0"/>
               <a:t>Railway</a:t>
             </a:r>
-            <a:endParaRPr lang="en-US" dirty="0"/>
           </a:p>
         </p:txBody>
       </p:sp>
@@ -20545,13 +20631,13 @@
               <a:t>    .</a:t>
             </a:r>
             <a:r>
-              <a:rPr lang="en-US" sz="2400" dirty="0" err="1">
+              <a:rPr lang="en-US" sz="2400" dirty="0">
                 <a:solidFill>
                   <a:schemeClr val="accent1"/>
                 </a:solidFill>
                 <a:latin typeface="Consolas" panose="020B0609020204030204" pitchFamily="49" charset="0"/>
               </a:rPr>
-              <a:t>OnSuccess</a:t>
+              <a:t>Then</a:t>
             </a:r>
             <a:r>
               <a:rPr lang="en-US" sz="2400" dirty="0">
@@ -20586,13 +20672,13 @@
               <a:t>    .</a:t>
             </a:r>
             <a:r>
-              <a:rPr lang="en-US" sz="2400" dirty="0" err="1">
+              <a:rPr lang="en-US" sz="2400" dirty="0">
                 <a:solidFill>
                   <a:schemeClr val="accent1"/>
                 </a:solidFill>
                 <a:latin typeface="Consolas" panose="020B0609020204030204" pitchFamily="49" charset="0"/>
               </a:rPr>
-              <a:t>OnSuccess</a:t>
+              <a:t>Then</a:t>
             </a:r>
             <a:r>
               <a:rPr lang="en-US" sz="2400" dirty="0">
@@ -20883,7 +20969,6 @@
               <a:rPr lang="en-US" dirty="0"/>
               <a:t>)</a:t>
             </a:r>
-            <a:endParaRPr lang="en-US" dirty="0"/>
           </a:p>
         </p:txBody>
       </p:sp>
@@ -21267,7 +21352,6 @@
               <a:rPr lang="en-US" dirty="0"/>
               <a:t>)</a:t>
             </a:r>
-            <a:endParaRPr lang="en-US" dirty="0"/>
           </a:p>
         </p:txBody>
       </p:sp>
@@ -21435,13 +21519,8 @@
           <a:p>
             <a:r>
               <a:rPr lang="en-US" sz="2000" dirty="0"/>
-              <a:t>Combine: </a:t>
-            </a:r>
-            <a:r>
-              <a:rPr lang="en-US" sz="2000" dirty="0" err="1"/>
-              <a:t>OnSuccess</a:t>
-            </a:r>
-            <a:endParaRPr lang="en-US" sz="2000" dirty="0"/>
+              <a:t>Combine: Then</a:t>
+            </a:r>
           </a:p>
         </p:txBody>
       </p:sp>
@@ -24165,7 +24244,23 @@
           <a:p>
             <a:r>
               <a:rPr lang="en-US" dirty="0"/>
-              <a:t>C# 7.0</a:t>
+              <a:t>C# </a:t>
+            </a:r>
+            <a:r>
+              <a:rPr lang="en-US" strike="sngStrike" dirty="0"/>
+              <a:t>7.0</a:t>
+            </a:r>
+            <a:r>
+              <a:rPr lang="en-US" dirty="0"/>
+              <a:t> </a:t>
+            </a:r>
+            <a:r>
+              <a:rPr lang="en-US" strike="sngStrike" dirty="0"/>
+              <a:t>8.0</a:t>
+            </a:r>
+            <a:r>
+              <a:rPr lang="en-US" dirty="0"/>
+              <a:t> 9.0</a:t>
             </a:r>
             <a:r>
               <a:rPr lang="ru-RU" dirty="0"/>
